--- a/Molecules_TeamRed.pptx
+++ b/Molecules_TeamRed.pptx
@@ -7,12 +7,13 @@
   <p:sldIdLst>
     <p:sldId id="256" r:id="rId2"/>
     <p:sldId id="259" r:id="rId3"/>
-    <p:sldId id="261" r:id="rId4"/>
-    <p:sldId id="260" r:id="rId5"/>
-    <p:sldId id="263" r:id="rId6"/>
-    <p:sldId id="257" r:id="rId7"/>
-    <p:sldId id="258" r:id="rId8"/>
-    <p:sldId id="262" r:id="rId9"/>
+    <p:sldId id="264" r:id="rId4"/>
+    <p:sldId id="261" r:id="rId5"/>
+    <p:sldId id="260" r:id="rId6"/>
+    <p:sldId id="263" r:id="rId7"/>
+    <p:sldId id="257" r:id="rId8"/>
+    <p:sldId id="258" r:id="rId9"/>
+    <p:sldId id="262" r:id="rId10"/>
   </p:sldIdLst>
   <p:sldSz cx="12192000" cy="6858000"/>
   <p:notesSz cx="6858000" cy="9144000"/>
@@ -111,6 +112,11 @@
       </a:defRPr>
     </a:lvl9pPr>
   </p:defaultTextStyle>
+  <p:extLst>
+    <p:ext uri="{EFAFB233-063F-42B5-8137-9DF3F51BA10A}">
+      <p15:sldGuideLst xmlns:p15="http://schemas.microsoft.com/office/powerpoint/2012/main"/>
+    </p:ext>
+  </p:extLst>
 </p:presentation>
 </file>
 
@@ -3350,7 +3356,7 @@
           <a:lstStyle/>
           <a:p>
             <a:r>
-              <a:rPr lang="en-US" dirty="0" err="1"/>
+              <a:rPr lang="en-US" b="1" dirty="0" err="1"/>
               <a:t>TeamRed</a:t>
             </a:r>
             <a:r>
@@ -3411,7 +3417,46 @@
                 <a:latin typeface="Times New Roman" panose="02020603050405020304" pitchFamily="18" charset="0"/>
                 <a:cs typeface="Times New Roman" panose="02020603050405020304" pitchFamily="18" charset="0"/>
               </a:rPr>
-              <a:t>, Julia </a:t>
+              <a:t>, </a:t>
+            </a:r>
+            <a:r>
+              <a:rPr lang="en-IN" sz="2000" spc="-1" dirty="0" err="1">
+                <a:solidFill>
+                  <a:srgbClr val="000000"/>
+                </a:solidFill>
+                <a:latin typeface="Times New Roman" panose="02020603050405020304" pitchFamily="18" charset="0"/>
+                <a:cs typeface="Times New Roman" panose="02020603050405020304" pitchFamily="18" charset="0"/>
+              </a:rPr>
+              <a:t>Mili</a:t>
+            </a:r>
+            <a:r>
+              <a:rPr lang="en-IN" sz="2000" spc="-1" dirty="0">
+                <a:solidFill>
+                  <a:srgbClr val="000000"/>
+                </a:solidFill>
+                <a:latin typeface="Times New Roman" panose="02020603050405020304" pitchFamily="18" charset="0"/>
+                <a:cs typeface="Times New Roman" panose="02020603050405020304" pitchFamily="18" charset="0"/>
+              </a:rPr>
+              <a:t> Biswas, </a:t>
+            </a:r>
+            <a:br>
+              <a:rPr lang="en-IN" sz="2000" spc="-1" dirty="0">
+                <a:solidFill>
+                  <a:srgbClr val="000000"/>
+                </a:solidFill>
+                <a:latin typeface="Times New Roman" panose="02020603050405020304" pitchFamily="18" charset="0"/>
+                <a:cs typeface="Times New Roman" panose="02020603050405020304" pitchFamily="18" charset="0"/>
+              </a:rPr>
+            </a:br>
+            <a:r>
+              <a:rPr lang="en-IN" sz="2000" spc="-1" dirty="0">
+                <a:solidFill>
+                  <a:srgbClr val="000000"/>
+                </a:solidFill>
+                <a:latin typeface="Times New Roman" panose="02020603050405020304" pitchFamily="18" charset="0"/>
+                <a:cs typeface="Times New Roman" panose="02020603050405020304" pitchFamily="18" charset="0"/>
+              </a:rPr>
+              <a:t>Julia </a:t>
             </a:r>
             <a:r>
               <a:rPr lang="en-IN" sz="2000" spc="-1" dirty="0" err="1">
@@ -3452,26 +3497,6 @@
                 <a:cs typeface="Times New Roman" panose="02020603050405020304" pitchFamily="18" charset="0"/>
               </a:rPr>
               <a:t>, </a:t>
-            </a:r>
-            <a:r>
-              <a:rPr lang="en-IN" sz="2000" spc="-1" dirty="0" err="1">
-                <a:solidFill>
-                  <a:srgbClr val="000000"/>
-                </a:solidFill>
-                <a:latin typeface="Times New Roman" panose="02020603050405020304" pitchFamily="18" charset="0"/>
-                <a:cs typeface="Times New Roman" panose="02020603050405020304" pitchFamily="18" charset="0"/>
-              </a:rPr>
-              <a:t>Mili</a:t>
-            </a:r>
-            <a:r>
-              <a:rPr lang="en-IN" sz="2000" spc="-1" dirty="0">
-                <a:solidFill>
-                  <a:srgbClr val="000000"/>
-                </a:solidFill>
-                <a:latin typeface="Times New Roman" panose="02020603050405020304" pitchFamily="18" charset="0"/>
-                <a:cs typeface="Times New Roman" panose="02020603050405020304" pitchFamily="18" charset="0"/>
-              </a:rPr>
-              <a:t> Biswas, </a:t>
             </a:r>
             <a:r>
               <a:rPr lang="en-IN" sz="2000" b="0" strike="noStrike" spc="-1" dirty="0">
@@ -3548,7 +3573,7 @@
         </p:nvSpPr>
         <p:spPr>
           <a:xfrm>
-            <a:off x="838200" y="365125"/>
+            <a:off x="0" y="0"/>
             <a:ext cx="10515600" cy="1325563"/>
           </a:xfrm>
         </p:spPr>
@@ -3560,100 +3585,6 @@
               <a:rPr lang="en-US" dirty="0"/>
               <a:t>Molecules Task using GED</a:t>
             </a:r>
-          </a:p>
-        </p:txBody>
-      </p:sp>
-      <p:sp>
-        <p:nvSpPr>
-          <p:cNvPr id="3" name="Content Placeholder 2">
-            <a:extLst>
-              <a:ext uri="{FF2B5EF4-FFF2-40B4-BE49-F238E27FC236}">
-                <a16:creationId xmlns:a16="http://schemas.microsoft.com/office/drawing/2014/main" id="{F7A0EA9B-BE79-4D3A-9BB8-1196C991B4F9}"/>
-              </a:ext>
-            </a:extLst>
-          </p:cNvPr>
-          <p:cNvSpPr>
-            <a:spLocks noGrp="1"/>
-          </p:cNvSpPr>
-          <p:nvPr>
-            <p:ph idx="1"/>
-          </p:nvPr>
-        </p:nvSpPr>
-        <p:spPr>
-          <a:xfrm>
-            <a:off x="5857290" y="1879454"/>
-            <a:ext cx="4601547" cy="4351338"/>
-          </a:xfrm>
-        </p:spPr>
-        <p:txBody>
-          <a:bodyPr/>
-          <a:lstStyle/>
-          <a:p>
-            <a:r>
-              <a:rPr lang="en-US" dirty="0"/>
-              <a:t>Package ged4py for implementing GED by:</a:t>
-            </a:r>
-          </a:p>
-          <a:p>
-            <a:pPr lvl="1"/>
-            <a:r>
-              <a:rPr lang="en-US" dirty="0"/>
-              <a:t>Creating and </a:t>
-            </a:r>
-            <a:r>
-              <a:rPr lang="en-US" dirty="0" err="1"/>
-              <a:t>normalising</a:t>
-            </a:r>
-            <a:r>
-              <a:rPr lang="en-US" dirty="0"/>
-              <a:t> the </a:t>
-            </a:r>
-            <a:r>
-              <a:rPr lang="en-US" b="1" dirty="0"/>
-              <a:t>cost matrix</a:t>
-            </a:r>
-          </a:p>
-          <a:p>
-            <a:pPr lvl="1"/>
-            <a:r>
-              <a:rPr lang="en-US" dirty="0"/>
-              <a:t>Performing </a:t>
-            </a:r>
-            <a:r>
-              <a:rPr lang="en-US" b="1" dirty="0"/>
-              <a:t>linear sum assignment </a:t>
-            </a:r>
-            <a:r>
-              <a:rPr lang="en-US" dirty="0"/>
-              <a:t>using </a:t>
-            </a:r>
-            <a:r>
-              <a:rPr lang="en-US" dirty="0" err="1"/>
-              <a:t>scipy.optimize</a:t>
-            </a:r>
-            <a:r>
-              <a:rPr lang="en-US" dirty="0"/>
-              <a:t> function</a:t>
-            </a:r>
-          </a:p>
-          <a:p>
-            <a:pPr lvl="1"/>
-            <a:r>
-              <a:rPr lang="en-US" dirty="0"/>
-              <a:t>Computing the </a:t>
-            </a:r>
-            <a:r>
-              <a:rPr lang="en-US" b="1" dirty="0"/>
-              <a:t>GED</a:t>
-            </a:r>
-            <a:r>
-              <a:rPr lang="en-US" dirty="0"/>
-              <a:t> value</a:t>
-            </a:r>
-          </a:p>
-          <a:p>
-            <a:pPr lvl="1"/>
-            <a:endParaRPr lang="en-US" dirty="0"/>
           </a:p>
         </p:txBody>
       </p:sp>
@@ -3679,14 +3610,39 @@
         </p:blipFill>
         <p:spPr>
           <a:xfrm>
-            <a:off x="684145" y="1558634"/>
-            <a:ext cx="4278183" cy="4860925"/>
+            <a:off x="3467878" y="1088497"/>
+            <a:ext cx="5077838" cy="5769503"/>
           </a:xfrm>
           <a:prstGeom prst="rect">
             <a:avLst/>
           </a:prstGeom>
         </p:spPr>
       </p:pic>
+      <p:sp>
+        <p:nvSpPr>
+          <p:cNvPr id="6" name="Content Placeholder 5">
+            <a:extLst>
+              <a:ext uri="{FF2B5EF4-FFF2-40B4-BE49-F238E27FC236}">
+                <a16:creationId xmlns:a16="http://schemas.microsoft.com/office/drawing/2014/main" id="{6C93A13C-F454-4AC9-8DED-6629D086A281}"/>
+              </a:ext>
+            </a:extLst>
+          </p:cNvPr>
+          <p:cNvSpPr>
+            <a:spLocks noGrp="1"/>
+          </p:cNvSpPr>
+          <p:nvPr>
+            <p:ph idx="1"/>
+          </p:nvPr>
+        </p:nvSpPr>
+        <p:spPr/>
+        <p:txBody>
+          <a:bodyPr/>
+          <a:lstStyle/>
+          <a:p>
+            <a:endParaRPr lang="en-US" dirty="0"/>
+          </a:p>
+        </p:txBody>
+      </p:sp>
     </p:spTree>
     <p:extLst>
       <p:ext uri="{BB962C8B-B14F-4D97-AF65-F5344CB8AC3E}">
@@ -3703,6 +3659,14 @@
 <file path=ppt/slides/slide3.xml><?xml version="1.0" encoding="utf-8"?>
 <p:sld xmlns:a="http://schemas.openxmlformats.org/drawingml/2006/main" xmlns:r="http://schemas.openxmlformats.org/officeDocument/2006/relationships" xmlns:p="http://schemas.openxmlformats.org/presentationml/2006/main">
   <p:cSld>
+    <p:bg>
+      <p:bgPr>
+        <a:solidFill>
+          <a:schemeClr val="bg1"/>
+        </a:solidFill>
+        <a:effectLst/>
+      </p:bgPr>
+    </p:bg>
     <p:spTree>
       <p:nvGrpSpPr>
         <p:cNvPr id="1" name=""/>
@@ -3719,6 +3683,367 @@
       </p:grpSpPr>
       <p:sp>
         <p:nvSpPr>
+          <p:cNvPr id="3" name="Content Placeholder 2">
+            <a:extLst>
+              <a:ext uri="{FF2B5EF4-FFF2-40B4-BE49-F238E27FC236}">
+                <a16:creationId xmlns:a16="http://schemas.microsoft.com/office/drawing/2014/main" id="{8F019DC7-5876-4426-B972-A2B8968EC4E4}"/>
+              </a:ext>
+            </a:extLst>
+          </p:cNvPr>
+          <p:cNvSpPr>
+            <a:spLocks noGrp="1"/>
+          </p:cNvSpPr>
+          <p:nvPr>
+            <p:ph idx="1"/>
+          </p:nvPr>
+        </p:nvSpPr>
+        <p:spPr/>
+        <p:txBody>
+          <a:bodyPr/>
+          <a:lstStyle/>
+          <a:p>
+            <a:endParaRPr lang="en-US"/>
+          </a:p>
+        </p:txBody>
+      </p:sp>
+      <p:pic>
+        <p:nvPicPr>
+          <p:cNvPr id="5" name="Picture 4">
+            <a:extLst>
+              <a:ext uri="{FF2B5EF4-FFF2-40B4-BE49-F238E27FC236}">
+                <a16:creationId xmlns:a16="http://schemas.microsoft.com/office/drawing/2014/main" id="{CE5A84F2-C82B-4828-ACB6-1F14DDA40807}"/>
+              </a:ext>
+            </a:extLst>
+          </p:cNvPr>
+          <p:cNvPicPr>
+            <a:picLocks noChangeAspect="1"/>
+          </p:cNvPicPr>
+          <p:nvPr/>
+        </p:nvPicPr>
+        <p:blipFill>
+          <a:blip r:embed="rId2"/>
+          <a:stretch>
+            <a:fillRect/>
+          </a:stretch>
+        </p:blipFill>
+        <p:spPr>
+          <a:xfrm>
+            <a:off x="-285391" y="0"/>
+            <a:ext cx="8974553" cy="6858000"/>
+          </a:xfrm>
+          <a:prstGeom prst="rect">
+            <a:avLst/>
+          </a:prstGeom>
+        </p:spPr>
+      </p:pic>
+      <p:sp>
+        <p:nvSpPr>
+          <p:cNvPr id="8" name="Content Placeholder 2">
+            <a:extLst>
+              <a:ext uri="{FF2B5EF4-FFF2-40B4-BE49-F238E27FC236}">
+                <a16:creationId xmlns:a16="http://schemas.microsoft.com/office/drawing/2014/main" id="{FF973793-C0B2-4B37-AD83-BEA6E4AB9B28}"/>
+              </a:ext>
+            </a:extLst>
+          </p:cNvPr>
+          <p:cNvSpPr txBox="1">
+            <a:spLocks/>
+          </p:cNvSpPr>
+          <p:nvPr/>
+        </p:nvSpPr>
+        <p:spPr>
+          <a:xfrm>
+            <a:off x="7000340" y="1144588"/>
+            <a:ext cx="5398851" cy="4738147"/>
+          </a:xfrm>
+          <a:prstGeom prst="rect">
+            <a:avLst/>
+          </a:prstGeom>
+        </p:spPr>
+        <p:txBody>
+          <a:bodyPr vert="horz" lIns="91440" tIns="45720" rIns="91440" bIns="45720" rtlCol="0">
+            <a:normAutofit/>
+          </a:bodyPr>
+          <a:lstStyle>
+            <a:lvl1pPr marL="228600" indent="-228600" algn="l" defTabSz="914400" rtl="0" eaLnBrk="1" latinLnBrk="0" hangingPunct="1">
+              <a:lnSpc>
+                <a:spcPct val="90000"/>
+              </a:lnSpc>
+              <a:spcBef>
+                <a:spcPts val="1000"/>
+              </a:spcBef>
+              <a:buFont typeface="Arial" panose="020B0604020202020204" pitchFamily="34" charset="0"/>
+              <a:buChar char="•"/>
+              <a:defRPr sz="2800" kern="1200">
+                <a:solidFill>
+                  <a:schemeClr val="tx1"/>
+                </a:solidFill>
+                <a:latin typeface="+mn-lt"/>
+                <a:ea typeface="+mn-ea"/>
+                <a:cs typeface="+mn-cs"/>
+              </a:defRPr>
+            </a:lvl1pPr>
+            <a:lvl2pPr marL="685800" indent="-228600" algn="l" defTabSz="914400" rtl="0" eaLnBrk="1" latinLnBrk="0" hangingPunct="1">
+              <a:lnSpc>
+                <a:spcPct val="90000"/>
+              </a:lnSpc>
+              <a:spcBef>
+                <a:spcPts val="500"/>
+              </a:spcBef>
+              <a:buFont typeface="Arial" panose="020B0604020202020204" pitchFamily="34" charset="0"/>
+              <a:buChar char="•"/>
+              <a:defRPr sz="2400" kern="1200">
+                <a:solidFill>
+                  <a:schemeClr val="tx1"/>
+                </a:solidFill>
+                <a:latin typeface="+mn-lt"/>
+                <a:ea typeface="+mn-ea"/>
+                <a:cs typeface="+mn-cs"/>
+              </a:defRPr>
+            </a:lvl2pPr>
+            <a:lvl3pPr marL="1143000" indent="-228600" algn="l" defTabSz="914400" rtl="0" eaLnBrk="1" latinLnBrk="0" hangingPunct="1">
+              <a:lnSpc>
+                <a:spcPct val="90000"/>
+              </a:lnSpc>
+              <a:spcBef>
+                <a:spcPts val="500"/>
+              </a:spcBef>
+              <a:buFont typeface="Arial" panose="020B0604020202020204" pitchFamily="34" charset="0"/>
+              <a:buChar char="•"/>
+              <a:defRPr sz="2000" kern="1200">
+                <a:solidFill>
+                  <a:schemeClr val="tx1"/>
+                </a:solidFill>
+                <a:latin typeface="+mn-lt"/>
+                <a:ea typeface="+mn-ea"/>
+                <a:cs typeface="+mn-cs"/>
+              </a:defRPr>
+            </a:lvl3pPr>
+            <a:lvl4pPr marL="1600200" indent="-228600" algn="l" defTabSz="914400" rtl="0" eaLnBrk="1" latinLnBrk="0" hangingPunct="1">
+              <a:lnSpc>
+                <a:spcPct val="90000"/>
+              </a:lnSpc>
+              <a:spcBef>
+                <a:spcPts val="500"/>
+              </a:spcBef>
+              <a:buFont typeface="Arial" panose="020B0604020202020204" pitchFamily="34" charset="0"/>
+              <a:buChar char="•"/>
+              <a:defRPr sz="1800" kern="1200">
+                <a:solidFill>
+                  <a:schemeClr val="tx1"/>
+                </a:solidFill>
+                <a:latin typeface="+mn-lt"/>
+                <a:ea typeface="+mn-ea"/>
+                <a:cs typeface="+mn-cs"/>
+              </a:defRPr>
+            </a:lvl4pPr>
+            <a:lvl5pPr marL="2057400" indent="-228600" algn="l" defTabSz="914400" rtl="0" eaLnBrk="1" latinLnBrk="0" hangingPunct="1">
+              <a:lnSpc>
+                <a:spcPct val="90000"/>
+              </a:lnSpc>
+              <a:spcBef>
+                <a:spcPts val="500"/>
+              </a:spcBef>
+              <a:buFont typeface="Arial" panose="020B0604020202020204" pitchFamily="34" charset="0"/>
+              <a:buChar char="•"/>
+              <a:defRPr sz="1800" kern="1200">
+                <a:solidFill>
+                  <a:schemeClr val="tx1"/>
+                </a:solidFill>
+                <a:latin typeface="+mn-lt"/>
+                <a:ea typeface="+mn-ea"/>
+                <a:cs typeface="+mn-cs"/>
+              </a:defRPr>
+            </a:lvl5pPr>
+            <a:lvl6pPr marL="2514600" indent="-228600" algn="l" defTabSz="914400" rtl="0" eaLnBrk="1" latinLnBrk="0" hangingPunct="1">
+              <a:lnSpc>
+                <a:spcPct val="90000"/>
+              </a:lnSpc>
+              <a:spcBef>
+                <a:spcPts val="500"/>
+              </a:spcBef>
+              <a:buFont typeface="Arial" panose="020B0604020202020204" pitchFamily="34" charset="0"/>
+              <a:buChar char="•"/>
+              <a:defRPr sz="1800" kern="1200">
+                <a:solidFill>
+                  <a:schemeClr val="tx1"/>
+                </a:solidFill>
+                <a:latin typeface="+mn-lt"/>
+                <a:ea typeface="+mn-ea"/>
+                <a:cs typeface="+mn-cs"/>
+              </a:defRPr>
+            </a:lvl6pPr>
+            <a:lvl7pPr marL="2971800" indent="-228600" algn="l" defTabSz="914400" rtl="0" eaLnBrk="1" latinLnBrk="0" hangingPunct="1">
+              <a:lnSpc>
+                <a:spcPct val="90000"/>
+              </a:lnSpc>
+              <a:spcBef>
+                <a:spcPts val="500"/>
+              </a:spcBef>
+              <a:buFont typeface="Arial" panose="020B0604020202020204" pitchFamily="34" charset="0"/>
+              <a:buChar char="•"/>
+              <a:defRPr sz="1800" kern="1200">
+                <a:solidFill>
+                  <a:schemeClr val="tx1"/>
+                </a:solidFill>
+                <a:latin typeface="+mn-lt"/>
+                <a:ea typeface="+mn-ea"/>
+                <a:cs typeface="+mn-cs"/>
+              </a:defRPr>
+            </a:lvl7pPr>
+            <a:lvl8pPr marL="3429000" indent="-228600" algn="l" defTabSz="914400" rtl="0" eaLnBrk="1" latinLnBrk="0" hangingPunct="1">
+              <a:lnSpc>
+                <a:spcPct val="90000"/>
+              </a:lnSpc>
+              <a:spcBef>
+                <a:spcPts val="500"/>
+              </a:spcBef>
+              <a:buFont typeface="Arial" panose="020B0604020202020204" pitchFamily="34" charset="0"/>
+              <a:buChar char="•"/>
+              <a:defRPr sz="1800" kern="1200">
+                <a:solidFill>
+                  <a:schemeClr val="tx1"/>
+                </a:solidFill>
+                <a:latin typeface="+mn-lt"/>
+                <a:ea typeface="+mn-ea"/>
+                <a:cs typeface="+mn-cs"/>
+              </a:defRPr>
+            </a:lvl8pPr>
+            <a:lvl9pPr marL="3886200" indent="-228600" algn="l" defTabSz="914400" rtl="0" eaLnBrk="1" latinLnBrk="0" hangingPunct="1">
+              <a:lnSpc>
+                <a:spcPct val="90000"/>
+              </a:lnSpc>
+              <a:spcBef>
+                <a:spcPts val="500"/>
+              </a:spcBef>
+              <a:buFont typeface="Arial" panose="020B0604020202020204" pitchFamily="34" charset="0"/>
+              <a:buChar char="•"/>
+              <a:defRPr sz="1800" kern="1200">
+                <a:solidFill>
+                  <a:schemeClr val="tx1"/>
+                </a:solidFill>
+                <a:latin typeface="+mn-lt"/>
+                <a:ea typeface="+mn-ea"/>
+                <a:cs typeface="+mn-cs"/>
+              </a:defRPr>
+            </a:lvl9pPr>
+          </a:lstStyle>
+          <a:p>
+            <a:pPr marL="0" indent="0">
+              <a:buNone/>
+            </a:pPr>
+            <a:r>
+              <a:rPr lang="en-US" dirty="0"/>
+              <a:t>Package ged4py for implementing GED by:</a:t>
+            </a:r>
+          </a:p>
+          <a:p>
+            <a:pPr lvl="1">
+              <a:buFont typeface="Wingdings" panose="05000000000000000000" pitchFamily="2" charset="2"/>
+              <a:buChar char="ü"/>
+            </a:pPr>
+            <a:r>
+              <a:rPr lang="en-US" dirty="0"/>
+              <a:t>Creating and </a:t>
+            </a:r>
+            <a:r>
+              <a:rPr lang="en-US" dirty="0" err="1"/>
+              <a:t>normalising</a:t>
+            </a:r>
+            <a:r>
+              <a:rPr lang="en-US" dirty="0"/>
+              <a:t> the </a:t>
+            </a:r>
+            <a:r>
+              <a:rPr lang="en-US" b="1" dirty="0"/>
+              <a:t>cost matrix</a:t>
+            </a:r>
+          </a:p>
+          <a:p>
+            <a:pPr lvl="1">
+              <a:buFont typeface="Wingdings" panose="05000000000000000000" pitchFamily="2" charset="2"/>
+              <a:buChar char="ü"/>
+            </a:pPr>
+            <a:r>
+              <a:rPr lang="en-US" dirty="0"/>
+              <a:t>Performing </a:t>
+            </a:r>
+            <a:r>
+              <a:rPr lang="en-US" b="1" dirty="0"/>
+              <a:t>linear sum assignment </a:t>
+            </a:r>
+            <a:r>
+              <a:rPr lang="en-US" dirty="0"/>
+              <a:t>using </a:t>
+            </a:r>
+            <a:r>
+              <a:rPr lang="en-US" i="1" dirty="0" err="1"/>
+              <a:t>scipy.optimize</a:t>
+            </a:r>
+            <a:r>
+              <a:rPr lang="en-US" i="1" dirty="0"/>
+              <a:t> </a:t>
+            </a:r>
+            <a:r>
+              <a:rPr lang="en-US" dirty="0"/>
+              <a:t>function</a:t>
+            </a:r>
+          </a:p>
+          <a:p>
+            <a:pPr lvl="1">
+              <a:buFont typeface="Wingdings" panose="05000000000000000000" pitchFamily="2" charset="2"/>
+              <a:buChar char="ü"/>
+            </a:pPr>
+            <a:r>
+              <a:rPr lang="en-US" dirty="0"/>
+              <a:t>Computing the </a:t>
+            </a:r>
+            <a:r>
+              <a:rPr lang="en-US" b="1" dirty="0"/>
+              <a:t>GED</a:t>
+            </a:r>
+            <a:r>
+              <a:rPr lang="en-US" dirty="0"/>
+              <a:t> value</a:t>
+            </a:r>
+          </a:p>
+          <a:p>
+            <a:pPr lvl="1"/>
+            <a:endParaRPr lang="en-US" dirty="0"/>
+          </a:p>
+        </p:txBody>
+      </p:sp>
+    </p:spTree>
+    <p:extLst>
+      <p:ext uri="{BB962C8B-B14F-4D97-AF65-F5344CB8AC3E}">
+        <p14:creationId xmlns:p14="http://schemas.microsoft.com/office/powerpoint/2010/main" val="2926250354"/>
+      </p:ext>
+    </p:extLst>
+  </p:cSld>
+  <p:clrMapOvr>
+    <a:masterClrMapping/>
+  </p:clrMapOvr>
+</p:sld>
+</file>
+
+<file path=ppt/slides/slide4.xml><?xml version="1.0" encoding="utf-8"?>
+<p:sld xmlns:a="http://schemas.openxmlformats.org/drawingml/2006/main" xmlns:r="http://schemas.openxmlformats.org/officeDocument/2006/relationships" xmlns:p="http://schemas.openxmlformats.org/presentationml/2006/main">
+  <p:cSld>
+    <p:spTree>
+      <p:nvGrpSpPr>
+        <p:cNvPr id="1" name=""/>
+        <p:cNvGrpSpPr/>
+        <p:nvPr/>
+      </p:nvGrpSpPr>
+      <p:grpSpPr>
+        <a:xfrm>
+          <a:off x="0" y="0"/>
+          <a:ext cx="0" cy="0"/>
+          <a:chOff x="0" y="0"/>
+          <a:chExt cx="0" cy="0"/>
+        </a:xfrm>
+      </p:grpSpPr>
+      <p:sp>
+        <p:nvSpPr>
           <p:cNvPr id="2" name="Title 1">
             <a:extLst>
               <a:ext uri="{FF2B5EF4-FFF2-40B4-BE49-F238E27FC236}">
@@ -3738,7 +4063,10 @@
           <a:bodyPr/>
           <a:lstStyle/>
           <a:p>
-            <a:endParaRPr lang="en-US"/>
+            <a:r>
+              <a:rPr lang="en-US" dirty="0"/>
+              <a:t>KNN Implementation </a:t>
+            </a:r>
           </a:p>
         </p:txBody>
       </p:sp>
@@ -4164,89 +4492,6 @@
 </p:sld>
 </file>
 
-<file path=ppt/slides/slide4.xml><?xml version="1.0" encoding="utf-8"?>
-<p:sld xmlns:a="http://schemas.openxmlformats.org/drawingml/2006/main" xmlns:r="http://schemas.openxmlformats.org/officeDocument/2006/relationships" xmlns:p="http://schemas.openxmlformats.org/presentationml/2006/main">
-  <p:cSld>
-    <p:spTree>
-      <p:nvGrpSpPr>
-        <p:cNvPr id="1" name=""/>
-        <p:cNvGrpSpPr/>
-        <p:nvPr/>
-      </p:nvGrpSpPr>
-      <p:grpSpPr>
-        <a:xfrm>
-          <a:off x="0" y="0"/>
-          <a:ext cx="0" cy="0"/>
-          <a:chOff x="0" y="0"/>
-          <a:chExt cx="0" cy="0"/>
-        </a:xfrm>
-      </p:grpSpPr>
-      <p:sp>
-        <p:nvSpPr>
-          <p:cNvPr id="2" name="Title 1">
-            <a:extLst>
-              <a:ext uri="{FF2B5EF4-FFF2-40B4-BE49-F238E27FC236}">
-                <a16:creationId xmlns:a16="http://schemas.microsoft.com/office/drawing/2014/main" id="{7EC09DE2-A6BC-4C2E-A56C-D0120160B4DC}"/>
-              </a:ext>
-            </a:extLst>
-          </p:cNvPr>
-          <p:cNvSpPr>
-            <a:spLocks noGrp="1"/>
-          </p:cNvSpPr>
-          <p:nvPr>
-            <p:ph type="title"/>
-          </p:nvPr>
-        </p:nvSpPr>
-        <p:spPr/>
-        <p:txBody>
-          <a:bodyPr/>
-          <a:lstStyle/>
-          <a:p>
-            <a:r>
-              <a:rPr lang="en-US" dirty="0"/>
-              <a:t>Signatures Task using DTW</a:t>
-            </a:r>
-          </a:p>
-        </p:txBody>
-      </p:sp>
-      <p:sp>
-        <p:nvSpPr>
-          <p:cNvPr id="3" name="Content Placeholder 2">
-            <a:extLst>
-              <a:ext uri="{FF2B5EF4-FFF2-40B4-BE49-F238E27FC236}">
-                <a16:creationId xmlns:a16="http://schemas.microsoft.com/office/drawing/2014/main" id="{F15330FD-83EF-4BF4-9C46-7C6AA7F0A1A8}"/>
-              </a:ext>
-            </a:extLst>
-          </p:cNvPr>
-          <p:cNvSpPr>
-            <a:spLocks noGrp="1"/>
-          </p:cNvSpPr>
-          <p:nvPr>
-            <p:ph idx="1"/>
-          </p:nvPr>
-        </p:nvSpPr>
-        <p:spPr/>
-        <p:txBody>
-          <a:bodyPr/>
-          <a:lstStyle/>
-          <a:p>
-            <a:endParaRPr lang="en-US"/>
-          </a:p>
-        </p:txBody>
-      </p:sp>
-    </p:spTree>
-    <p:extLst>
-      <p:ext uri="{BB962C8B-B14F-4D97-AF65-F5344CB8AC3E}">
-        <p14:creationId xmlns:p14="http://schemas.microsoft.com/office/powerpoint/2010/main" val="335474589"/>
-      </p:ext>
-    </p:extLst>
-  </p:cSld>
-  <p:clrMapOvr>
-    <a:masterClrMapping/>
-  </p:clrMapOvr>
-</p:sld>
-</file>
-
 <file path=ppt/slides/slide5.xml><?xml version="1.0" encoding="utf-8"?>
 <p:sld xmlns:a="http://schemas.openxmlformats.org/drawingml/2006/main" xmlns:r="http://schemas.openxmlformats.org/officeDocument/2006/relationships" xmlns:p="http://schemas.openxmlformats.org/presentationml/2006/main">
   <p:cSld>
@@ -4269,6 +4514,89 @@
           <p:cNvPr id="2" name="Title 1">
             <a:extLst>
               <a:ext uri="{FF2B5EF4-FFF2-40B4-BE49-F238E27FC236}">
+                <a16:creationId xmlns:a16="http://schemas.microsoft.com/office/drawing/2014/main" id="{7EC09DE2-A6BC-4C2E-A56C-D0120160B4DC}"/>
+              </a:ext>
+            </a:extLst>
+          </p:cNvPr>
+          <p:cNvSpPr>
+            <a:spLocks noGrp="1"/>
+          </p:cNvSpPr>
+          <p:nvPr>
+            <p:ph type="title"/>
+          </p:nvPr>
+        </p:nvSpPr>
+        <p:spPr/>
+        <p:txBody>
+          <a:bodyPr/>
+          <a:lstStyle/>
+          <a:p>
+            <a:r>
+              <a:rPr lang="en-US" dirty="0"/>
+              <a:t>Signatures Task using DTW</a:t>
+            </a:r>
+          </a:p>
+        </p:txBody>
+      </p:sp>
+      <p:sp>
+        <p:nvSpPr>
+          <p:cNvPr id="3" name="Content Placeholder 2">
+            <a:extLst>
+              <a:ext uri="{FF2B5EF4-FFF2-40B4-BE49-F238E27FC236}">
+                <a16:creationId xmlns:a16="http://schemas.microsoft.com/office/drawing/2014/main" id="{F15330FD-83EF-4BF4-9C46-7C6AA7F0A1A8}"/>
+              </a:ext>
+            </a:extLst>
+          </p:cNvPr>
+          <p:cNvSpPr>
+            <a:spLocks noGrp="1"/>
+          </p:cNvSpPr>
+          <p:nvPr>
+            <p:ph idx="1"/>
+          </p:nvPr>
+        </p:nvSpPr>
+        <p:spPr/>
+        <p:txBody>
+          <a:bodyPr/>
+          <a:lstStyle/>
+          <a:p>
+            <a:endParaRPr lang="en-US"/>
+          </a:p>
+        </p:txBody>
+      </p:sp>
+    </p:spTree>
+    <p:extLst>
+      <p:ext uri="{BB962C8B-B14F-4D97-AF65-F5344CB8AC3E}">
+        <p14:creationId xmlns:p14="http://schemas.microsoft.com/office/powerpoint/2010/main" val="335474589"/>
+      </p:ext>
+    </p:extLst>
+  </p:cSld>
+  <p:clrMapOvr>
+    <a:masterClrMapping/>
+  </p:clrMapOvr>
+</p:sld>
+</file>
+
+<file path=ppt/slides/slide6.xml><?xml version="1.0" encoding="utf-8"?>
+<p:sld xmlns:a="http://schemas.openxmlformats.org/drawingml/2006/main" xmlns:r="http://schemas.openxmlformats.org/officeDocument/2006/relationships" xmlns:p="http://schemas.openxmlformats.org/presentationml/2006/main">
+  <p:cSld>
+    <p:spTree>
+      <p:nvGrpSpPr>
+        <p:cNvPr id="1" name=""/>
+        <p:cNvGrpSpPr/>
+        <p:nvPr/>
+      </p:nvGrpSpPr>
+      <p:grpSpPr>
+        <a:xfrm>
+          <a:off x="0" y="0"/>
+          <a:ext cx="0" cy="0"/>
+          <a:chOff x="0" y="0"/>
+          <a:chExt cx="0" cy="0"/>
+        </a:xfrm>
+      </p:grpSpPr>
+      <p:sp>
+        <p:nvSpPr>
+          <p:cNvPr id="2" name="Title 1">
+            <a:extLst>
+              <a:ext uri="{FF2B5EF4-FFF2-40B4-BE49-F238E27FC236}">
                 <a16:creationId xmlns:a16="http://schemas.microsoft.com/office/drawing/2014/main" id="{39902AE7-6057-4AB6-A0D5-C8301350CFB6}"/>
               </a:ext>
             </a:extLst>
@@ -4327,7 +4655,7 @@
 </p:sld>
 </file>
 
-<file path=ppt/slides/slide6.xml><?xml version="1.0" encoding="utf-8"?>
+<file path=ppt/slides/slide7.xml><?xml version="1.0" encoding="utf-8"?>
 <p:sld xmlns:a="http://schemas.openxmlformats.org/drawingml/2006/main" xmlns:r="http://schemas.openxmlformats.org/officeDocument/2006/relationships" xmlns:p="http://schemas.openxmlformats.org/presentationml/2006/main">
   <p:cSld>
     <p:spTree>
@@ -4482,7 +4810,7 @@
 </p:sld>
 </file>
 
-<file path=ppt/slides/slide7.xml><?xml version="1.0" encoding="utf-8"?>
+<file path=ppt/slides/slide8.xml><?xml version="1.0" encoding="utf-8"?>
 <p:sld xmlns:a="http://schemas.openxmlformats.org/drawingml/2006/main" xmlns:r="http://schemas.openxmlformats.org/officeDocument/2006/relationships" xmlns:p="http://schemas.openxmlformats.org/presentationml/2006/main">
   <p:cSld>
     <p:spTree>
@@ -4644,7 +4972,7 @@
 </p:sld>
 </file>
 
-<file path=ppt/slides/slide8.xml><?xml version="1.0" encoding="utf-8"?>
+<file path=ppt/slides/slide9.xml><?xml version="1.0" encoding="utf-8"?>
 <p:sld xmlns:a="http://schemas.openxmlformats.org/drawingml/2006/main" xmlns:r="http://schemas.openxmlformats.org/officeDocument/2006/relationships" xmlns:p="http://schemas.openxmlformats.org/presentationml/2006/main">
   <p:cSld>
     <p:spTree>
